--- a/inflearn01/doc/1.작동하는 소프트웨어를 쉽게 만들 수 있도록 준비합니다..pptx
+++ b/inflearn01/doc/1.작동하는 소프트웨어를 쉽게 만들 수 있도록 준비합니다..pptx
@@ -235,7 +235,7 @@
                 <a:latin typeface="맑은 고딕" panose="020B0503020000020004" pitchFamily="50" charset="-127"/>
                 <a:ea typeface="맑은 고딕" panose="020B0503020000020004" pitchFamily="50" charset="-127"/>
               </a:rPr>
-              <a:t>2021년 6월 24일</a:t>
+              <a:t>2021년 6월 26일</a:t>
             </a:fld>
             <a:endParaRPr lang="ko-KR" altLang="en-US">
               <a:latin typeface="맑은 고딕" panose="020B0503020000020004" pitchFamily="50" charset="-127"/>
@@ -332,6 +332,87 @@
 </p:handoutMaster>
 </file>
 
+<file path=ppt/ink/ink1.xml><?xml version="1.0" encoding="utf-8"?>
+<inkml:ink xmlns:inkml="http://www.w3.org/2003/InkML">
+  <inkml:definitions>
+    <inkml:context xml:id="ctx0">
+      <inkml:inkSource xml:id="inkSrc0">
+        <inkml:traceFormat>
+          <inkml:channel name="X" type="integer" min="-2.14748E9" max="2.14748E9" units="cm"/>
+          <inkml:channel name="Y" type="integer" min="-2.14748E9" max="2.14748E9" units="cm"/>
+          <inkml:channel name="F" type="integer" max="32767" units="dev"/>
+        </inkml:traceFormat>
+        <inkml:channelProperties>
+          <inkml:channelProperty channel="X" name="resolution" value="1000" units="1/cm"/>
+          <inkml:channelProperty channel="Y" name="resolution" value="1000" units="1/cm"/>
+          <inkml:channelProperty channel="F" name="resolution" value="0" units="1/dev"/>
+        </inkml:channelProperties>
+      </inkml:inkSource>
+      <inkml:timestamp xml:id="ts0" timeString="2021-06-26T07:46:52.266"/>
+    </inkml:context>
+    <inkml:brush xml:id="br0">
+      <inkml:brushProperty name="width" value="0.05" units="cm"/>
+      <inkml:brushProperty name="height" value="0.05" units="cm"/>
+    </inkml:brush>
+  </inkml:definitions>
+  <inkml:trace contextRef="#ctx0" brushRef="#br0">53 15 10149,'0'0'12979,"-2"-3"-13145,-4-8 7701,5 11-7047,1 34-512,-15 743 232,18-489-163,-5-160 34,-21 152 0,17-207-46,6 133-1,2-91-15,-3 2 7,10 240-18,-7-139 27,-4-113-16,2-104-8,0 0-1,1 0 1,-1 1-1,0-1 0,0 0 1,1 0-1,-1 0 1,0 0-1,1 0 0,-1 0 1,1 0-1,0 0 0,-1 0 1,1 0-1,0 0 1,-1 0-1,1 0 0,0 0 1,0 0-1,1 0 1,-1 32-18,-1-23 4,13 339 19,4 570-14,-18-619 0,14-162 16,-7-86-16,19 79 0,-17-92-7,5 80 1,-7-50 3,1-13 21,-3-76-2518,-4-23-2174</inkml:trace>
+</inkml:ink>
+</file>
+
+<file path=ppt/ink/ink2.xml><?xml version="1.0" encoding="utf-8"?>
+<inkml:ink xmlns:inkml="http://www.w3.org/2003/InkML">
+  <inkml:definitions>
+    <inkml:context xml:id="ctx0">
+      <inkml:inkSource xml:id="inkSrc0">
+        <inkml:traceFormat>
+          <inkml:channel name="X" type="integer" min="-2.14748E9" max="2.14748E9" units="cm"/>
+          <inkml:channel name="Y" type="integer" min="-2.14748E9" max="2.14748E9" units="cm"/>
+          <inkml:channel name="F" type="integer" max="32767" units="dev"/>
+        </inkml:traceFormat>
+        <inkml:channelProperties>
+          <inkml:channelProperty channel="X" name="resolution" value="1000" units="1/cm"/>
+          <inkml:channelProperty channel="Y" name="resolution" value="1000" units="1/cm"/>
+          <inkml:channelProperty channel="F" name="resolution" value="0" units="1/dev"/>
+        </inkml:channelProperties>
+      </inkml:inkSource>
+      <inkml:timestamp xml:id="ts0" timeString="2021-06-26T07:46:53.120"/>
+    </inkml:context>
+    <inkml:brush xml:id="br0">
+      <inkml:brushProperty name="width" value="0.05" units="cm"/>
+      <inkml:brushProperty name="height" value="0.05" units="cm"/>
+    </inkml:brush>
+  </inkml:definitions>
+  <inkml:trace contextRef="#ctx0" brushRef="#br0">22 1 25132,'0'0'5466,"-5"0"-5301,5 0-158,-1 0-1,0 0 0,1-1 1,-1 1-1,0 0 0,0 0 1,1 0-1,-1 0 0,0 0 1,1 0-1,-1 1 0,0-1 1,0 0-1,1 0 0,-1 0 1,0 1-1,1-1 0,-1 0 1,1 1-1,-1-1 0,0 0 1,1 1-1,-1-1 0,0 1 1,13 10 75,43 12-106,4-5 49,1-3 1,0-2 0,1-3 0,0-2-1,117-2 1,-159-1-47,-17 7 137,-24 23-4290,-13 10-10523</inkml:trace>
+</inkml:ink>
+</file>
+
+<file path=ppt/ink/ink3.xml><?xml version="1.0" encoding="utf-8"?>
+<inkml:ink xmlns:inkml="http://www.w3.org/2003/InkML">
+  <inkml:definitions>
+    <inkml:context xml:id="ctx0">
+      <inkml:inkSource xml:id="inkSrc0">
+        <inkml:traceFormat>
+          <inkml:channel name="X" type="integer" min="-2.14748E9" max="2.14748E9" units="cm"/>
+          <inkml:channel name="Y" type="integer" min="-2.14748E9" max="2.14748E9" units="cm"/>
+          <inkml:channel name="F" type="integer" max="32767" units="dev"/>
+        </inkml:traceFormat>
+        <inkml:channelProperties>
+          <inkml:channelProperty channel="X" name="resolution" value="1000" units="1/cm"/>
+          <inkml:channelProperty channel="Y" name="resolution" value="1000" units="1/cm"/>
+          <inkml:channelProperty channel="F" name="resolution" value="0" units="1/dev"/>
+        </inkml:channelProperties>
+      </inkml:inkSource>
+      <inkml:timestamp xml:id="ts0" timeString="2021-06-26T07:46:53.976"/>
+    </inkml:context>
+    <inkml:brush xml:id="br0">
+      <inkml:brushProperty name="width" value="0.05" units="cm"/>
+      <inkml:brushProperty name="height" value="0.05" units="cm"/>
+    </inkml:brush>
+  </inkml:definitions>
+  <inkml:trace contextRef="#ctx0" brushRef="#br0">8 92 26396,'0'0'3140,"-3"-1"-3084,-1-3-36,13 2-17,17 1 6,645 1 2811,-678-23-3516,-16-3-2538,-25-8-8296</inkml:trace>
+</inkml:ink>
+</file>
+
 <file path=ppt/notesMasters/notesMaster1.xml><?xml version="1.0" encoding="utf-8"?>
 <p:notesMaster xmlns:a="http://schemas.openxmlformats.org/drawingml/2006/main" xmlns:r="http://schemas.openxmlformats.org/officeDocument/2006/relationships" xmlns:p="http://schemas.openxmlformats.org/presentationml/2006/main">
   <p:cSld>
@@ -421,7 +502,7 @@
             <a:fld id="{BE16EC8A-0758-4FA9-BF4D-3119057076D1}" type="datetime4">
               <a:rPr lang="ko-KR" altLang="en-US" smtClean="0"/>
               <a:pPr/>
-              <a:t>2021년 6월 24일</a:t>
+              <a:t>2021년 6월 26일</a:t>
             </a:fld>
             <a:endParaRPr lang="ko-KR" altLang="en-US"/>
           </a:p>
@@ -3472,7 +3553,7 @@
           <a:p>
             <a:fld id="{2A5B65E4-62A8-4988-B07B-5D6D443B14ED}" type="datetime4">
               <a:rPr lang="ko-KR" altLang="en-US" smtClean="0"/>
-              <a:t>2021년 6월 24일</a:t>
+              <a:t>2021년 6월 26일</a:t>
             </a:fld>
             <a:endParaRPr lang="ko-KR" altLang="en-US"/>
           </a:p>
@@ -3728,7 +3809,7 @@
           <a:p>
             <a:fld id="{58EB6286-0DE7-4336-9826-977AD102FCF2}" type="datetime4">
               <a:rPr lang="ko-KR" altLang="en-US" noProof="0" smtClean="0"/>
-              <a:t>2021년 6월 24일</a:t>
+              <a:t>2021년 6월 26일</a:t>
             </a:fld>
             <a:endParaRPr lang="ko-KR" altLang="en-US" noProof="0"/>
           </a:p>
@@ -3924,7 +4005,7 @@
             <a:pPr rtl="0"/>
             <a:fld id="{6A5419DA-7218-42E5-A443-F000500111E1}" type="datetime4">
               <a:rPr lang="ko-KR" altLang="en-US" noProof="0" smtClean="0"/>
-              <a:t>2021년 6월 24일</a:t>
+              <a:t>2021년 6월 26일</a:t>
             </a:fld>
             <a:endParaRPr lang="ko-KR" altLang="en-US" noProof="0"/>
           </a:p>
@@ -6325,7 +6406,7 @@
           <a:p>
             <a:fld id="{E498C52F-1DF1-4226-BAB6-C1E2EE4C9D62}" type="datetime4">
               <a:rPr lang="ko-KR" altLang="en-US" noProof="0" smtClean="0"/>
-              <a:t>2021년 6월 24일</a:t>
+              <a:t>2021년 6월 26일</a:t>
             </a:fld>
             <a:endParaRPr lang="ko-KR" altLang="en-US" noProof="0"/>
           </a:p>
@@ -6844,7 +6925,7 @@
           <a:p>
             <a:fld id="{7B1E1FFC-F755-4558-8D3C-A157D1A01A8A}" type="datetime4">
               <a:rPr lang="ko-KR" altLang="en-US" noProof="0" smtClean="0"/>
-              <a:t>2021년 6월 24일</a:t>
+              <a:t>2021년 6월 26일</a:t>
             </a:fld>
             <a:endParaRPr lang="ko-KR" altLang="en-US" noProof="0"/>
           </a:p>
@@ -6988,7 +7069,7 @@
             <a:pPr rtl="0"/>
             <a:fld id="{DA2A33C0-A4A8-4C90-B6DA-35B8CF58C816}" type="datetime4">
               <a:rPr lang="ko-KR" altLang="en-US" noProof="0" smtClean="0"/>
-              <a:t>2021년 6월 24일</a:t>
+              <a:t>2021년 6월 26일</a:t>
             </a:fld>
             <a:endParaRPr lang="ko-KR" altLang="en-US" noProof="0"/>
           </a:p>
@@ -8936,7 +9017,7 @@
           <a:p>
             <a:fld id="{53CB1B8F-A14A-4BE4-A9B9-3B263F04145C}" type="datetime4">
               <a:rPr lang="ko-KR" altLang="en-US" noProof="0" smtClean="0"/>
-              <a:t>2021년 6월 24일</a:t>
+              <a:t>2021년 6월 26일</a:t>
             </a:fld>
             <a:endParaRPr lang="ko-KR" altLang="en-US" noProof="0"/>
           </a:p>
@@ -11233,7 +11314,7 @@
           <a:p>
             <a:fld id="{5B9196A3-957C-4113-A568-B6ED9AEA3D01}" type="datetime4">
               <a:rPr lang="ko-KR" altLang="en-US" noProof="0" smtClean="0"/>
-              <a:t>2021년 6월 24일</a:t>
+              <a:t>2021년 6월 26일</a:t>
             </a:fld>
             <a:endParaRPr lang="ko-KR" altLang="en-US" noProof="0"/>
           </a:p>
@@ -15550,7 +15631,7 @@
           <a:p>
             <a:fld id="{28BEB146-D335-4DA5-9826-58595BCDBE2E}" type="datetime4">
               <a:rPr lang="ko-KR" altLang="en-US" noProof="0" smtClean="0"/>
-              <a:t>2021년 6월 24일</a:t>
+              <a:t>2021년 6월 26일</a:t>
             </a:fld>
             <a:endParaRPr lang="ko-KR" altLang="en-US" noProof="0"/>
           </a:p>
@@ -16059,25 +16140,48 @@
           </a:xfrm>
         </p:spPr>
         <p:txBody>
-          <a:bodyPr rtlCol="0"/>
+          <a:bodyPr rtlCol="0">
+            <a:noAutofit/>
+          </a:bodyPr>
           <a:lstStyle/>
           <a:p>
             <a:pPr rtl="0"/>
             <a:r>
-              <a:rPr lang="ko-KR" altLang="en-US">
+              <a:rPr lang="ko-KR" altLang="en-US" sz="1600">
                 <a:latin typeface="맑은 고딕" panose="020B0503020000020004" pitchFamily="50" charset="-127"/>
                 <a:ea typeface="맑은 고딕" panose="020B0503020000020004" pitchFamily="50" charset="-127"/>
               </a:rPr>
-              <a:t>작동하는 소프트웨어를 쉽게 만들 수 있도록 준비합니다</a:t>
-            </a:r>
-            <a:r>
-              <a:rPr lang="en-US" altLang="ko-KR">
+              <a:t>작동하는 소프트웨어를</a:t>
+            </a:r>
+            <a:endParaRPr lang="en-US" altLang="ko-KR" sz="1600">
+              <a:latin typeface="맑은 고딕" panose="020B0503020000020004" pitchFamily="50" charset="-127"/>
+              <a:ea typeface="맑은 고딕" panose="020B0503020000020004" pitchFamily="50" charset="-127"/>
+            </a:endParaRPr>
+          </a:p>
+          <a:p>
+            <a:pPr rtl="0"/>
+            <a:endParaRPr lang="en-US" altLang="ko-KR" sz="1600">
+              <a:latin typeface="맑은 고딕" panose="020B0503020000020004" pitchFamily="50" charset="-127"/>
+              <a:ea typeface="맑은 고딕" panose="020B0503020000020004" pitchFamily="50" charset="-127"/>
+            </a:endParaRPr>
+          </a:p>
+          <a:p>
+            <a:pPr rtl="0"/>
+            <a:r>
+              <a:rPr lang="ko-KR" altLang="en-US" sz="1600">
+                <a:latin typeface="맑은 고딕" panose="020B0503020000020004" pitchFamily="50" charset="-127"/>
+                <a:ea typeface="맑은 고딕" panose="020B0503020000020004" pitchFamily="50" charset="-127"/>
+              </a:rPr>
+              <a:t>쉽게 만들 수 있도록 준비합니다</a:t>
+            </a:r>
+            <a:r>
+              <a:rPr lang="en-US" altLang="ko-KR" sz="1600">
                 <a:latin typeface="맑은 고딕" panose="020B0503020000020004" pitchFamily="50" charset="-127"/>
                 <a:ea typeface="맑은 고딕" panose="020B0503020000020004" pitchFamily="50" charset="-127"/>
               </a:rPr>
               <a:t>.</a:t>
             </a:r>
-            <a:endParaRPr lang="ko-KR" altLang="en-US">
+            <a:endParaRPr lang="ko-KR" altLang="en-US" sz="1600">
               <a:latin typeface="맑은 고딕" panose="020B0503020000020004" pitchFamily="50" charset="-127"/>
               <a:ea typeface="맑은 고딕" panose="020B0503020000020004" pitchFamily="50" charset="-127"/>
             </a:endParaRPr>
@@ -16383,31 +16487,21 @@
           <a:p>
             <a:r>
               <a:rPr lang="ko-KR" altLang="en-US"/>
-              <a:t>이미 스프링</a:t>
-            </a:r>
-            <a:r>
-              <a:rPr lang="en-US" altLang="ko-KR"/>
-              <a:t>(</a:t>
-            </a:r>
-            <a:r>
-              <a:rPr lang="ko-KR" altLang="en-US"/>
-              <a:t>스프링부트</a:t>
-            </a:r>
-            <a:r>
-              <a:rPr lang="en-US" altLang="ko-KR"/>
-              <a:t>)</a:t>
-            </a:r>
-            <a:r>
-              <a:rPr lang="ko-KR" altLang="en-US"/>
-              <a:t>가</a:t>
+              <a:t>이미 많은 프레임워크가</a:t>
             </a:r>
             <a:br>
               <a:rPr lang="en-US" altLang="ko-KR"/>
             </a:br>
+            <a:br>
+              <a:rPr lang="en-US" altLang="ko-KR"/>
+            </a:br>
             <a:r>
               <a:rPr lang="ko-KR" altLang="en-US"/>
               <a:t>우아하게 추상화된 서블릿 기능을 제공하는데</a:t>
             </a:r>
+            <a:br>
+              <a:rPr lang="en-US" altLang="ko-KR"/>
+            </a:br>
             <a:br>
               <a:rPr lang="en-US" altLang="ko-KR"/>
             </a:br>
@@ -16437,7 +16531,7 @@
         </p:nvGrpSpPr>
         <p:grpSpPr>
           <a:xfrm>
-            <a:off x="8367839" y="1923130"/>
+            <a:off x="8459936" y="673231"/>
             <a:ext cx="2311685" cy="3003647"/>
             <a:chOff x="8367839" y="1923130"/>
             <a:chExt cx="2311685" cy="3003647"/>
@@ -17045,6 +17139,180 @@
           </a:p>
         </p:txBody>
       </p:sp>
+      <p:grpSp>
+        <p:nvGrpSpPr>
+          <p:cNvPr id="6" name="그룹 5">
+            <a:extLst>
+              <a:ext uri="{FF2B5EF4-FFF2-40B4-BE49-F238E27FC236}">
+                <a16:creationId xmlns:a16="http://schemas.microsoft.com/office/drawing/2014/main" id="{CADACBF8-08E5-49B0-AD83-2036FC47D48C}"/>
+              </a:ext>
+            </a:extLst>
+          </p:cNvPr>
+          <p:cNvGrpSpPr/>
+          <p:nvPr/>
+        </p:nvGrpSpPr>
+        <p:grpSpPr>
+          <a:xfrm>
+            <a:off x="1446540" y="2268067"/>
+            <a:ext cx="254520" cy="1812960"/>
+            <a:chOff x="1446540" y="2268067"/>
+            <a:chExt cx="254520" cy="1812960"/>
+          </a:xfrm>
+        </p:grpSpPr>
+        <mc:AlternateContent xmlns:mc="http://schemas.openxmlformats.org/markup-compatibility/2006">
+          <mc:Choice xmlns:p14="http://schemas.microsoft.com/office/powerpoint/2010/main" Requires="p14">
+            <p:contentPart p14:bwMode="auto" r:id="rId2">
+              <p14:nvContentPartPr>
+                <p14:cNvPr id="3" name="잉크 2">
+                  <a:extLst>
+                    <a:ext uri="{FF2B5EF4-FFF2-40B4-BE49-F238E27FC236}">
+                      <a16:creationId xmlns:a16="http://schemas.microsoft.com/office/drawing/2014/main" id="{76B458DE-47B2-4993-8F60-E738FE3476F5}"/>
+                    </a:ext>
+                  </a:extLst>
+                </p14:cNvPr>
+                <p14:cNvContentPartPr/>
+                <p14:nvPr/>
+              </p14:nvContentPartPr>
+              <p14:xfrm>
+                <a:off x="1545180" y="2304067"/>
+                <a:ext cx="48960" cy="1776960"/>
+              </p14:xfrm>
+            </p:contentPart>
+          </mc:Choice>
+          <mc:Fallback>
+            <p:pic>
+              <p:nvPicPr>
+                <p:cNvPr id="3" name="잉크 2">
+                  <a:extLst>
+                    <a:ext uri="{FF2B5EF4-FFF2-40B4-BE49-F238E27FC236}">
+                      <a16:creationId xmlns:a16="http://schemas.microsoft.com/office/drawing/2014/main" id="{76B458DE-47B2-4993-8F60-E738FE3476F5}"/>
+                    </a:ext>
+                  </a:extLst>
+                </p:cNvPr>
+                <p:cNvPicPr/>
+                <p:nvPr/>
+              </p:nvPicPr>
+              <p:blipFill>
+                <a:blip r:embed="rId3"/>
+                <a:stretch>
+                  <a:fillRect/>
+                </a:stretch>
+              </p:blipFill>
+              <p:spPr>
+                <a:xfrm>
+                  <a:off x="1536540" y="2295427"/>
+                  <a:ext cx="66600" cy="1794600"/>
+                </a:xfrm>
+                <a:prstGeom prst="rect">
+                  <a:avLst/>
+                </a:prstGeom>
+              </p:spPr>
+            </p:pic>
+          </mc:Fallback>
+        </mc:AlternateContent>
+        <mc:AlternateContent xmlns:mc="http://schemas.openxmlformats.org/markup-compatibility/2006">
+          <mc:Choice xmlns:p14="http://schemas.microsoft.com/office/powerpoint/2010/main" Requires="p14">
+            <p:contentPart p14:bwMode="auto" r:id="rId4">
+              <p14:nvContentPartPr>
+                <p14:cNvPr id="4" name="잉크 3">
+                  <a:extLst>
+                    <a:ext uri="{FF2B5EF4-FFF2-40B4-BE49-F238E27FC236}">
+                      <a16:creationId xmlns:a16="http://schemas.microsoft.com/office/drawing/2014/main" id="{96B78DA8-5EFA-4E71-9D58-C8A22F9439AC}"/>
+                    </a:ext>
+                  </a:extLst>
+                </p14:cNvPr>
+                <p14:cNvContentPartPr/>
+                <p14:nvPr/>
+              </p14:nvContentPartPr>
+              <p14:xfrm>
+                <a:off x="1495140" y="2268067"/>
+                <a:ext cx="204480" cy="74520"/>
+              </p14:xfrm>
+            </p:contentPart>
+          </mc:Choice>
+          <mc:Fallback>
+            <p:pic>
+              <p:nvPicPr>
+                <p:cNvPr id="4" name="잉크 3">
+                  <a:extLst>
+                    <a:ext uri="{FF2B5EF4-FFF2-40B4-BE49-F238E27FC236}">
+                      <a16:creationId xmlns:a16="http://schemas.microsoft.com/office/drawing/2014/main" id="{96B78DA8-5EFA-4E71-9D58-C8A22F9439AC}"/>
+                    </a:ext>
+                  </a:extLst>
+                </p:cNvPr>
+                <p:cNvPicPr/>
+                <p:nvPr/>
+              </p:nvPicPr>
+              <p:blipFill>
+                <a:blip r:embed="rId5"/>
+                <a:stretch>
+                  <a:fillRect/>
+                </a:stretch>
+              </p:blipFill>
+              <p:spPr>
+                <a:xfrm>
+                  <a:off x="1486140" y="2259067"/>
+                  <a:ext cx="222120" cy="92160"/>
+                </a:xfrm>
+                <a:prstGeom prst="rect">
+                  <a:avLst/>
+                </a:prstGeom>
+              </p:spPr>
+            </p:pic>
+          </mc:Fallback>
+        </mc:AlternateContent>
+        <mc:AlternateContent xmlns:mc="http://schemas.openxmlformats.org/markup-compatibility/2006">
+          <mc:Choice xmlns:p14="http://schemas.microsoft.com/office/powerpoint/2010/main" Requires="p14">
+            <p:contentPart p14:bwMode="auto" r:id="rId6">
+              <p14:nvContentPartPr>
+                <p14:cNvPr id="5" name="잉크 4">
+                  <a:extLst>
+                    <a:ext uri="{FF2B5EF4-FFF2-40B4-BE49-F238E27FC236}">
+                      <a16:creationId xmlns:a16="http://schemas.microsoft.com/office/drawing/2014/main" id="{CFCC334E-7014-42FC-B8C3-484F8955FB9B}"/>
+                    </a:ext>
+                  </a:extLst>
+                </p14:cNvPr>
+                <p14:cNvContentPartPr/>
+                <p14:nvPr/>
+              </p14:nvContentPartPr>
+              <p14:xfrm>
+                <a:off x="1446540" y="4009027"/>
+                <a:ext cx="254520" cy="33120"/>
+              </p14:xfrm>
+            </p:contentPart>
+          </mc:Choice>
+          <mc:Fallback>
+            <p:pic>
+              <p:nvPicPr>
+                <p:cNvPr id="5" name="잉크 4">
+                  <a:extLst>
+                    <a:ext uri="{FF2B5EF4-FFF2-40B4-BE49-F238E27FC236}">
+                      <a16:creationId xmlns:a16="http://schemas.microsoft.com/office/drawing/2014/main" id="{CFCC334E-7014-42FC-B8C3-484F8955FB9B}"/>
+                    </a:ext>
+                  </a:extLst>
+                </p:cNvPr>
+                <p:cNvPicPr/>
+                <p:nvPr/>
+              </p:nvPicPr>
+              <p:blipFill>
+                <a:blip r:embed="rId7"/>
+                <a:stretch>
+                  <a:fillRect/>
+                </a:stretch>
+              </p:blipFill>
+              <p:spPr>
+                <a:xfrm>
+                  <a:off x="1437900" y="4000387"/>
+                  <a:ext cx="272160" cy="50760"/>
+                </a:xfrm>
+                <a:prstGeom prst="rect">
+                  <a:avLst/>
+                </a:prstGeom>
+              </p:spPr>
+            </p:pic>
+          </mc:Fallback>
+        </mc:AlternateContent>
+      </p:grpSp>
     </p:spTree>
     <p:extLst>
       <p:ext uri="{BB962C8B-B14F-4D97-AF65-F5344CB8AC3E}">
